--- a/BYCTWD_2018 - Scratch_Workshops.pptx
+++ b/BYCTWD_2018 - Scratch_Workshops.pptx
@@ -7,7 +7,8 @@
   <p:sldIdLst>
     <p:sldId id="259" r:id="rId5"/>
     <p:sldId id="268" r:id="rId6"/>
-    <p:sldId id="273" r:id="rId7"/>
+    <p:sldId id="274" r:id="rId7"/>
+    <p:sldId id="273" r:id="rId8"/>
   </p:sldIdLst>
   <p:sldSz cx="9144000" cy="6858000" type="screen4x3"/>
   <p:notesSz cx="7010400" cy="9296400"/>
@@ -2607,13 +2608,13 @@
               <a:buChar char="•"/>
             </a:pPr>
             <a:r>
-              <a:rPr lang="en-US" sz="2600" dirty="0" smtClean="0"/>
+              <a:rPr lang="en-US" sz="4000" dirty="0" smtClean="0"/>
               <a:t>How Apps Work and We Interact With Them</a:t>
             </a:r>
           </a:p>
           <a:p>
             <a:pPr marL="0" indent="0"/>
-            <a:endParaRPr lang="en-US" sz="2600" dirty="0"/>
+            <a:endParaRPr lang="en-US" sz="4000" dirty="0"/>
           </a:p>
           <a:p>
             <a:pPr>
@@ -2621,13 +2622,13 @@
               <a:buChar char="•"/>
             </a:pPr>
             <a:r>
-              <a:rPr lang="en-US" sz="2600" dirty="0" smtClean="0"/>
+              <a:rPr lang="en-US" sz="4000" dirty="0" smtClean="0"/>
               <a:t>Hands On Programming With Scratch</a:t>
             </a:r>
           </a:p>
           <a:p>
             <a:pPr marL="0" indent="0"/>
-            <a:endParaRPr lang="en-US" sz="2600" dirty="0" smtClean="0"/>
+            <a:endParaRPr lang="en-US" sz="4000" dirty="0" smtClean="0"/>
           </a:p>
           <a:p>
             <a:pPr>
@@ -2635,10 +2636,10 @@
               <a:buChar char="•"/>
             </a:pPr>
             <a:r>
-              <a:rPr lang="en-US" sz="2600" dirty="0" smtClean="0"/>
+              <a:rPr lang="en-US" sz="4000" dirty="0" smtClean="0"/>
               <a:t>A Fun Demo!</a:t>
             </a:r>
-            <a:endParaRPr lang="en-US" sz="2600" dirty="0"/>
+            <a:endParaRPr lang="en-US" sz="4000" dirty="0"/>
           </a:p>
           <a:p>
             <a:pPr>
@@ -2725,6 +2726,109 @@
 </file>
 
 <file path=ppt/slides/slide3.xml><?xml version="1.0" encoding="utf-8"?>
+<p:sld xmlns:a="http://schemas.openxmlformats.org/drawingml/2006/main" xmlns:r="http://schemas.openxmlformats.org/officeDocument/2006/relationships" xmlns:p="http://schemas.openxmlformats.org/presentationml/2006/main">
+  <p:cSld>
+    <p:spTree>
+      <p:nvGrpSpPr>
+        <p:cNvPr id="1" name=""/>
+        <p:cNvGrpSpPr/>
+        <p:nvPr/>
+      </p:nvGrpSpPr>
+      <p:grpSpPr>
+        <a:xfrm>
+          <a:off x="0" y="0"/>
+          <a:ext cx="0" cy="0"/>
+          <a:chOff x="0" y="0"/>
+          <a:chExt cx="0" cy="0"/>
+        </a:xfrm>
+      </p:grpSpPr>
+      <p:sp>
+        <p:nvSpPr>
+          <p:cNvPr id="2" name="Title 1"/>
+          <p:cNvSpPr>
+            <a:spLocks noGrp="1"/>
+          </p:cNvSpPr>
+          <p:nvPr>
+            <p:ph type="title"/>
+          </p:nvPr>
+        </p:nvSpPr>
+        <p:spPr/>
+        <p:txBody>
+          <a:bodyPr/>
+          <a:lstStyle/>
+          <a:p>
+            <a:r>
+              <a:rPr lang="en-US" dirty="0" smtClean="0"/>
+              <a:t>How We Interact with Apps</a:t>
+            </a:r>
+            <a:endParaRPr lang="en-US" dirty="0"/>
+          </a:p>
+        </p:txBody>
+      </p:sp>
+      <p:sp>
+        <p:nvSpPr>
+          <p:cNvPr id="3" name="Content Placeholder 2"/>
+          <p:cNvSpPr>
+            <a:spLocks noGrp="1"/>
+          </p:cNvSpPr>
+          <p:nvPr>
+            <p:ph idx="1"/>
+          </p:nvPr>
+        </p:nvSpPr>
+        <p:spPr/>
+        <p:txBody>
+          <a:bodyPr>
+            <a:normAutofit/>
+          </a:bodyPr>
+          <a:lstStyle/>
+          <a:p>
+            <a:pPr>
+              <a:buFont typeface="Arial" panose="020B0604020202020204" pitchFamily="34" charset="0"/>
+              <a:buChar char="•"/>
+            </a:pPr>
+            <a:endParaRPr lang="en-US" sz="4000" dirty="0" smtClean="0"/>
+          </a:p>
+          <a:p>
+            <a:pPr>
+              <a:buFont typeface="Arial" panose="020B0604020202020204" pitchFamily="34" charset="0"/>
+              <a:buChar char="•"/>
+            </a:pPr>
+            <a:r>
+              <a:rPr lang="en-US" sz="4000" dirty="0" smtClean="0"/>
+              <a:t>What is an Input?</a:t>
+            </a:r>
+          </a:p>
+          <a:p>
+            <a:pPr marL="0" indent="0"/>
+            <a:endParaRPr lang="en-US" sz="4000" dirty="0" smtClean="0"/>
+          </a:p>
+          <a:p>
+            <a:pPr>
+              <a:buFont typeface="Arial" panose="020B0604020202020204" pitchFamily="34" charset="0"/>
+              <a:buChar char="•"/>
+            </a:pPr>
+            <a:r>
+              <a:rPr lang="en-US" sz="4000" dirty="0" smtClean="0"/>
+              <a:t>What is an Output?</a:t>
+            </a:r>
+            <a:endParaRPr lang="en-US" sz="4000" dirty="0"/>
+          </a:p>
+        </p:txBody>
+      </p:sp>
+    </p:spTree>
+    <p:extLst>
+      <p:ext uri="{BB962C8B-B14F-4D97-AF65-F5344CB8AC3E}">
+        <p14:creationId xmlns:p14="http://schemas.microsoft.com/office/powerpoint/2010/main" val="680445171"/>
+      </p:ext>
+    </p:extLst>
+  </p:cSld>
+  <p:clrMapOvr>
+    <a:masterClrMapping/>
+  </p:clrMapOvr>
+</p:sld>
+</file>
+
+<file path=ppt/slides/slide4.xml><?xml version="1.0" encoding="utf-8"?>
 <p:sld xmlns:a="http://schemas.openxmlformats.org/drawingml/2006/main" xmlns:r="http://schemas.openxmlformats.org/officeDocument/2006/relationships" xmlns:p="http://schemas.openxmlformats.org/presentationml/2006/main" show="0">
   <p:cSld>
     <p:spTree>
@@ -3445,17 +3549,17 @@
 <file path=customXml/itemProps3.xml><?xml version="1.0" encoding="utf-8"?>
 <ds:datastoreItem xmlns:ds="http://schemas.openxmlformats.org/officeDocument/2006/customXml" ds:itemID="{2033C73D-FDD0-4C02-AAC9-15046697F0F9}">
   <ds:schemaRefs>
+    <ds:schemaRef ds:uri="http://schemas.openxmlformats.org/package/2006/metadata/core-properties"/>
     <ds:schemaRef ds:uri="http://purl.org/dc/dcmitype/"/>
-    <ds:schemaRef ds:uri="http://schemas.microsoft.com/office/infopath/2007/PartnerControls"/>
-    <ds:schemaRef ds:uri="http://purl.org/dc/terms/"/>
-    <ds:schemaRef ds:uri="http://schemas.microsoft.com/office/2006/documentManagement/types"/>
-    <ds:schemaRef ds:uri="http://schemas.openxmlformats.org/package/2006/metadata/core-properties"/>
-    <ds:schemaRef ds:uri="b09d380a-135c-49a9-b2ac-346bd84d1367"/>
-    <ds:schemaRef ds:uri="http://purl.org/dc/elements/1.1/"/>
-    <ds:schemaRef ds:uri="http://www.w3.org/XML/1998/namespace"/>
-    <ds:schemaRef ds:uri="63cb2932-4567-4c1b-8ce5-9624ff948ba0"/>
     <ds:schemaRef ds:uri="http://schemas.microsoft.com/sharepoint/v3"/>
     <ds:schemaRef ds:uri="http://schemas.microsoft.com/office/2006/metadata/properties"/>
+    <ds:schemaRef ds:uri="http://purl.org/dc/elements/1.1/"/>
+    <ds:schemaRef ds:uri="http://schemas.microsoft.com/office/2006/documentManagement/types"/>
+    <ds:schemaRef ds:uri="http://www.w3.org/XML/1998/namespace"/>
+    <ds:schemaRef ds:uri="http://purl.org/dc/terms/"/>
+    <ds:schemaRef ds:uri="b09d380a-135c-49a9-b2ac-346bd84d1367"/>
+    <ds:schemaRef ds:uri="http://schemas.microsoft.com/office/infopath/2007/PartnerControls"/>
+    <ds:schemaRef ds:uri="63cb2932-4567-4c1b-8ce5-9624ff948ba0"/>
   </ds:schemaRefs>
 </ds:datastoreItem>
 </file>